--- a/presentations/2022-02 Webinars/2022-02 Applied FHIR for Designers.pptx
+++ b/presentations/2022-02 Webinars/2022-02 Applied FHIR for Designers.pptx
@@ -9136,7 +9136,7 @@
             <a:fld id="{1BCE7D1B-E2D6-42EC-A46F-6B8D8AB722EA}" type="datetime1">
               <a:rPr lang="en-US" altLang="en-US"/>
               <a:pPr/>
-              <a:t>2/13/2022</a:t>
+              <a:t>2/17/2022</a:t>
             </a:fld>
             <a:endParaRPr lang="en-US" altLang="en-US"/>
           </a:p>
@@ -9367,7 +9367,7 @@
             <a:fld id="{60D4D74E-7671-46E5-9A5B-14F31A4C0D2E}" type="datetime1">
               <a:rPr lang="en-US" altLang="en-US"/>
               <a:pPr/>
-              <a:t>2/13/2022</a:t>
+              <a:t>2/16/2022</a:t>
             </a:fld>
             <a:endParaRPr lang="en-US" altLang="en-US"/>
           </a:p>
@@ -14219,7 +14219,7 @@
             <a:fld id="{1BF28DD7-1B91-4710-80F7-7D2604E14C5A}" type="datetime1">
               <a:rPr lang="en-US" altLang="en-US" smtClean="0"/>
               <a:pPr/>
-              <a:t>2/13/2022</a:t>
+              <a:t>2/16/2022</a:t>
             </a:fld>
             <a:endParaRPr lang="en-US" altLang="en-US" dirty="0"/>
           </a:p>
@@ -21568,7 +21568,7 @@
             <a:fld id="{37B9CC16-F074-410C-B6E0-279B2BD437D8}" type="datetime1">
               <a:rPr lang="en-US" altLang="en-US"/>
               <a:pPr/>
-              <a:t>2/13/2022</a:t>
+              <a:t>2/16/2022</a:t>
             </a:fld>
             <a:endParaRPr lang="en-US" altLang="en-US"/>
           </a:p>
@@ -30081,7 +30081,7 @@
         </p:blipFill>
         <p:spPr bwMode="auto">
           <a:xfrm>
-            <a:off x="2455587" y="1296935"/>
+            <a:off x="2893099" y="1109667"/>
             <a:ext cx="2143125" cy="702000"/>
           </a:xfrm>
           <a:prstGeom prst="rect">
@@ -30195,79 +30195,6 @@
       </p:pic>
       <p:pic>
         <p:nvPicPr>
-          <p:cNvPr id="2056" name="Picture 8" descr="Bridge Connector">
-            <a:extLst>
-              <a:ext uri="{FF2B5EF4-FFF2-40B4-BE49-F238E27FC236}">
-                <a16:creationId xmlns:a16="http://schemas.microsoft.com/office/drawing/2014/main" id="{960C8CBF-49EA-409C-82B2-D963B603EE16}"/>
-              </a:ext>
-            </a:extLst>
-          </p:cNvPr>
-          <p:cNvPicPr>
-            <a:picLocks noChangeAspect="1" noChangeArrowheads="1"/>
-          </p:cNvPicPr>
-          <p:nvPr/>
-        </p:nvPicPr>
-        <p:blipFill>
-          <a:blip r:embed="rId5">
-            <a:extLst>
-              <a:ext uri="{BEBA8EAE-BF5A-486C-A8C5-ECC9F3942E4B}">
-                <a14:imgProps xmlns:a14="http://schemas.microsoft.com/office/drawing/2010/main">
-                  <a14:imgLayer r:embed="rId6">
-                    <a14:imgEffect>
-                      <a14:backgroundRemoval t="10000" b="90000" l="10000" r="90000">
-                        <a14:foregroundMark x1="15110" y1="59615" x2="15110" y2="59615"/>
-                        <a14:foregroundMark x1="31593" y1="58791" x2="31593" y2="58791"/>
-                        <a14:foregroundMark x1="42857" y1="59066" x2="42857" y2="59066"/>
-                        <a14:foregroundMark x1="43407" y1="49725" x2="43407" y2="49725"/>
-                        <a14:foregroundMark x1="52473" y1="54396" x2="52473" y2="54396"/>
-                        <a14:foregroundMark x1="67857" y1="54396" x2="67857" y2="54396"/>
-                        <a14:foregroundMark x1="83516" y1="54121" x2="83516" y2="54121"/>
-                        <a14:foregroundMark x1="14011" y1="73626" x2="14011" y2="73626"/>
-                        <a14:foregroundMark x1="20604" y1="73352" x2="20604" y2="73352"/>
-                        <a14:foregroundMark x1="29670" y1="73626" x2="29670" y2="73626"/>
-                        <a14:foregroundMark x1="32418" y1="73352" x2="32418" y2="73352"/>
-                        <a14:foregroundMark x1="41209" y1="72527" x2="41209" y2="72527"/>
-                        <a14:foregroundMark x1="46429" y1="72527" x2="46429" y2="72527"/>
-                        <a14:foregroundMark x1="50000" y1="72802" x2="50000" y2="72802"/>
-                        <a14:foregroundMark x1="53571" y1="72802" x2="53571" y2="72802"/>
-                        <a14:foregroundMark x1="57967" y1="72802" x2="57967" y2="72802"/>
-                      </a14:backgroundRemoval>
-                    </a14:imgEffect>
-                  </a14:imgLayer>
-                </a14:imgProps>
-              </a:ext>
-              <a:ext uri="{28A0092B-C50C-407E-A947-70E740481C1C}">
-                <a14:useLocalDpi xmlns:a14="http://schemas.microsoft.com/office/drawing/2010/main" val="0"/>
-              </a:ext>
-            </a:extLst>
-          </a:blip>
-          <a:srcRect/>
-          <a:stretch>
-            <a:fillRect/>
-          </a:stretch>
-        </p:blipFill>
-        <p:spPr bwMode="auto">
-          <a:xfrm>
-            <a:off x="6279521" y="1389035"/>
-            <a:ext cx="1664329" cy="1664329"/>
-          </a:xfrm>
-          <a:prstGeom prst="rect">
-            <a:avLst/>
-          </a:prstGeom>
-          <a:noFill/>
-          <a:extLst>
-            <a:ext uri="{909E8E84-426E-40DD-AFC4-6F175D3DCCD1}">
-              <a14:hiddenFill xmlns:a14="http://schemas.microsoft.com/office/drawing/2010/main">
-                <a:solidFill>
-                  <a:srgbClr val="FFFFFF"/>
-                </a:solidFill>
-              </a14:hiddenFill>
-            </a:ext>
-          </a:extLst>
-        </p:spPr>
-      </p:pic>
-      <p:pic>
-        <p:nvPicPr>
           <p:cNvPr id="2062" name="Picture 14" descr="Qvera">
             <a:extLst>
               <a:ext uri="{FF2B5EF4-FFF2-40B4-BE49-F238E27FC236}">
@@ -30281,7 +30208,7 @@
           <p:nvPr/>
         </p:nvPicPr>
         <p:blipFill>
-          <a:blip r:embed="rId7">
+          <a:blip r:embed="rId5">
             <a:extLst>
               <a:ext uri="{28A0092B-C50C-407E-A947-70E740481C1C}">
                 <a14:useLocalDpi xmlns:a14="http://schemas.microsoft.com/office/drawing/2010/main" val="0"/>
@@ -30328,7 +30255,7 @@
           <p:nvPr/>
         </p:nvPicPr>
         <p:blipFill>
-          <a:blip r:embed="rId8">
+          <a:blip r:embed="rId6">
             <a:extLst>
               <a:ext uri="{28A0092B-C50C-407E-A947-70E740481C1C}">
                 <a14:useLocalDpi xmlns:a14="http://schemas.microsoft.com/office/drawing/2010/main" val="0"/>
@@ -30375,7 +30302,7 @@
           <p:nvPr/>
         </p:nvPicPr>
         <p:blipFill>
-          <a:blip r:embed="rId9">
+          <a:blip r:embed="rId7">
             <a:extLst>
               <a:ext uri="{28A0092B-C50C-407E-A947-70E740481C1C}">
                 <a14:useLocalDpi xmlns:a14="http://schemas.microsoft.com/office/drawing/2010/main" val="0"/>
@@ -30422,7 +30349,7 @@
           <p:nvPr/>
         </p:nvPicPr>
         <p:blipFill>
-          <a:blip r:embed="rId10">
+          <a:blip r:embed="rId8">
             <a:extLst>
               <a:ext uri="{28A0092B-C50C-407E-A947-70E740481C1C}">
                 <a14:useLocalDpi xmlns:a14="http://schemas.microsoft.com/office/drawing/2010/main" val="0"/>
@@ -30469,7 +30396,7 @@
           <p:nvPr/>
         </p:nvPicPr>
         <p:blipFill>
-          <a:blip r:embed="rId11">
+          <a:blip r:embed="rId9">
             <a:extLst>
               <a:ext uri="{28A0092B-C50C-407E-A947-70E740481C1C}">
                 <a14:useLocalDpi xmlns:a14="http://schemas.microsoft.com/office/drawing/2010/main" val="0"/>
@@ -30483,7 +30410,7 @@
         </p:blipFill>
         <p:spPr bwMode="auto">
           <a:xfrm>
-            <a:off x="5116286" y="1569980"/>
+            <a:off x="6010100" y="1764589"/>
             <a:ext cx="1419225" cy="381000"/>
           </a:xfrm>
           <a:prstGeom prst="rect">
@@ -49602,14 +49529,30 @@
               <a:buNone/>
             </a:pPr>
             <a:r>
+              <a:rPr lang="en-AU">
+                <a:hlinkClick r:id="rId2"/>
+              </a:rPr>
+              <a:t>http://chat</a:t>
+            </a:r>
+            <a:r>
               <a:rPr lang="en-AU" dirty="0">
                 <a:hlinkClick r:id="rId2"/>
               </a:rPr>
-              <a:t>http://hl7.org/fhir</a:t>
+              <a:t>.fhir</a:t>
+            </a:r>
+            <a:r>
+              <a:rPr lang="en-AU">
+                <a:hlinkClick r:id="rId2"/>
+              </a:rPr>
+              <a:t>.org</a:t>
+            </a:r>
+            <a:r>
+              <a:rPr lang="en-AU"/>
+              <a:t> 	   </a:t>
             </a:r>
             <a:r>
               <a:rPr lang="en-AU" dirty="0"/>
-              <a:t>	    	   		</a:t>
+              <a:t>		</a:t>
             </a:r>
             <a:r>
               <a:rPr lang="en-AU" dirty="0">
